--- a/Coupon - ReadMe.pptx
+++ b/Coupon - ReadMe.pptx
@@ -750,8 +750,8 @@
         </p:nvSpPr>
         <p:spPr>
           <a:xfrm>
-            <a:off x="381188" y="685800"/>
-            <a:ext cx="6096300" cy="3429000"/>
+            <a:off x="381000" y="685800"/>
+            <a:ext cx="6096000" cy="3429000"/>
           </a:xfrm>
           <a:custGeom>
             <a:avLst/>
@@ -12119,56 +12119,6 @@
       </p:sp>
       <p:sp>
         <p:nvSpPr>
-          <p:cNvPr id="106" name="Google Shape;106;p25"/>
-          <p:cNvSpPr txBox="1">
-            <a:spLocks noGrp="1"/>
-          </p:cNvSpPr>
-          <p:nvPr>
-            <p:ph type="subTitle" idx="1"/>
-          </p:nvPr>
-        </p:nvSpPr>
-        <p:spPr>
-          <a:xfrm>
-            <a:off x="510450" y="3182313"/>
-            <a:ext cx="8123100" cy="630000"/>
-          </a:xfrm>
-          <a:prstGeom prst="rect">
-            <a:avLst/>
-          </a:prstGeom>
-        </p:spPr>
-        <p:txBody>
-          <a:bodyPr spcFirstLastPara="1" wrap="square" lIns="91425" tIns="91425" rIns="91425" bIns="91425" anchor="t" anchorCtr="0">
-            <a:noAutofit/>
-          </a:bodyPr>
-          <a:lstStyle/>
-          <a:p>
-            <a:pPr marL="0" lvl="0" indent="0" algn="l" rtl="0">
-              <a:spcBef>
-                <a:spcPts val="0"/>
-              </a:spcBef>
-              <a:spcAft>
-                <a:spcPts val="0"/>
-              </a:spcAft>
-              <a:buNone/>
-            </a:pPr>
-            <a:r>
-              <a:rPr lang="en"/>
-              <a:t>B</a:t>
-            </a:r>
-            <a:r>
-              <a:rPr lang="en" sz="2400"/>
-              <a:t>y</a:t>
-            </a:r>
-            <a:r>
-              <a:rPr lang="en"/>
-              <a:t> Raju Ponniah</a:t>
-            </a:r>
-            <a:endParaRPr/>
-          </a:p>
-        </p:txBody>
-      </p:sp>
-      <p:sp>
-        <p:nvSpPr>
           <p:cNvPr id="107" name="Google Shape;107;p25"/>
           <p:cNvSpPr txBox="1">
             <a:spLocks noGrp="1"/>
@@ -12202,39 +12152,58 @@
               <a:buNone/>
             </a:pPr>
             <a:r>
-              <a:rPr lang="en" sz="1800"/>
-              <a:t>prapons@hotmail.com</a:t>
+              <a:rPr lang="en" sz="1800" dirty="0"/>
+              <a:t>     prapons@hotmail.com</a:t>
             </a:r>
-            <a:endParaRPr sz="1800"/>
+            <a:endParaRPr sz="1800" dirty="0"/>
           </a:p>
         </p:txBody>
       </p:sp>
-      <p:cxnSp>
-        <p:nvCxnSpPr>
-          <p:cNvPr id="108" name="Google Shape;108;p25"/>
-          <p:cNvCxnSpPr/>
-          <p:nvPr/>
-        </p:nvCxnSpPr>
+      <p:sp>
+        <p:nvSpPr>
+          <p:cNvPr id="3" name="Subtitle 2">
+            <a:extLst>
+              <a:ext uri="{FF2B5EF4-FFF2-40B4-BE49-F238E27FC236}">
+                <a16:creationId xmlns:a16="http://schemas.microsoft.com/office/drawing/2014/main" id="{A9D73CD0-D4A3-4F71-86E1-E6C30E312D06}"/>
+              </a:ext>
+            </a:extLst>
+          </p:cNvPr>
+          <p:cNvSpPr>
+            <a:spLocks noGrp="1"/>
+          </p:cNvSpPr>
+          <p:nvPr>
+            <p:ph type="subTitle" idx="1"/>
+          </p:nvPr>
+        </p:nvSpPr>
         <p:spPr>
           <a:xfrm>
-            <a:off x="615150" y="2998025"/>
-            <a:ext cx="500400" cy="0"/>
+            <a:off x="702362" y="2978286"/>
+            <a:ext cx="8123100" cy="630000"/>
           </a:xfrm>
-          <a:prstGeom prst="straightConnector1">
-            <a:avLst/>
-          </a:prstGeom>
-          <a:noFill/>
-          <a:ln w="19050" cap="flat" cmpd="sng">
-            <a:solidFill>
-              <a:schemeClr val="lt1"/>
-            </a:solidFill>
-            <a:prstDash val="solid"/>
-            <a:round/>
-            <a:headEnd type="none" w="med" len="med"/>
-            <a:tailEnd type="none" w="med" len="med"/>
-          </a:ln>
         </p:spPr>
-      </p:cxnSp>
+        <p:txBody>
+          <a:bodyPr/>
+          <a:lstStyle/>
+          <a:p>
+            <a:r>
+              <a:rPr lang="en-US" dirty="0">
+                <a:hlinkClick r:id="rId4"/>
+              </a:rPr>
+              <a:t>https://github.com/prapons01/UCB_AIML/blob/main/prompt.ipynb</a:t>
+            </a:r>
+            <a:endParaRPr lang="en-US" dirty="0"/>
+          </a:p>
+          <a:p>
+            <a:endParaRPr lang="en-US" dirty="0"/>
+          </a:p>
+          <a:p>
+            <a:r>
+              <a:rPr lang="en-US" dirty="0"/>
+              <a:t>Raju Ponniah</a:t>
+            </a:r>
+          </a:p>
+        </p:txBody>
+      </p:sp>
     </p:spTree>
   </p:cSld>
   <p:clrMapOvr>
